--- a/inflearn04/doc/3.비즈니스 공통 기능을 재사용할 수 있는 IoC 와 DI 를 구현합니다.pptx
+++ b/inflearn04/doc/3.비즈니스 공통 기능을 재사용할 수 있는 IoC 와 DI 를 구현합니다.pptx
@@ -644,7 +644,7 @@
                 <a:latin typeface="맑은 고딕" panose="020B0503020000020004" pitchFamily="50" charset="-127"/>
                 <a:ea typeface="맑은 고딕" panose="020B0503020000020004" pitchFamily="50" charset="-127"/>
               </a:rPr>
-              <a:t>2021년 7월 11일</a:t>
+              <a:t>2021년 7월 12일</a:t>
             </a:fld>
             <a:endParaRPr lang="ko-KR" altLang="en-US">
               <a:latin typeface="맑은 고딕" panose="020B0503020000020004" pitchFamily="50" charset="-127"/>
@@ -830,7 +830,7 @@
             <a:fld id="{BE16EC8A-0758-4FA9-BF4D-3119057076D1}" type="datetime4">
               <a:rPr lang="ko-KR" altLang="en-US" smtClean="0"/>
               <a:pPr/>
-              <a:t>2021년 7월 11일</a:t>
+              <a:t>2021년 7월 12일</a:t>
             </a:fld>
             <a:endParaRPr lang="ko-KR" altLang="en-US"/>
           </a:p>
@@ -3406,7 +3406,7 @@
           <a:p>
             <a:fld id="{2A5B65E4-62A8-4988-B07B-5D6D443B14ED}" type="datetime4">
               <a:rPr lang="ko-KR" altLang="en-US" smtClean="0"/>
-              <a:t>2021년 7월 11일</a:t>
+              <a:t>2021년 7월 12일</a:t>
             </a:fld>
             <a:endParaRPr lang="ko-KR" altLang="en-US"/>
           </a:p>
@@ -3662,7 +3662,7 @@
           <a:p>
             <a:fld id="{58EB6286-0DE7-4336-9826-977AD102FCF2}" type="datetime4">
               <a:rPr lang="ko-KR" altLang="en-US" noProof="0" smtClean="0"/>
-              <a:t>2021년 7월 11일</a:t>
+              <a:t>2021년 7월 12일</a:t>
             </a:fld>
             <a:endParaRPr lang="ko-KR" altLang="en-US" noProof="0"/>
           </a:p>
@@ -3858,7 +3858,7 @@
             <a:pPr rtl="0"/>
             <a:fld id="{6A5419DA-7218-42E5-A443-F000500111E1}" type="datetime4">
               <a:rPr lang="ko-KR" altLang="en-US" noProof="0" smtClean="0"/>
-              <a:t>2021년 7월 11일</a:t>
+              <a:t>2021년 7월 12일</a:t>
             </a:fld>
             <a:endParaRPr lang="ko-KR" altLang="en-US" noProof="0"/>
           </a:p>
@@ -6259,7 +6259,7 @@
           <a:p>
             <a:fld id="{E498C52F-1DF1-4226-BAB6-C1E2EE4C9D62}" type="datetime4">
               <a:rPr lang="ko-KR" altLang="en-US" noProof="0" smtClean="0"/>
-              <a:t>2021년 7월 11일</a:t>
+              <a:t>2021년 7월 12일</a:t>
             </a:fld>
             <a:endParaRPr lang="ko-KR" altLang="en-US" noProof="0"/>
           </a:p>
@@ -6778,7 +6778,7 @@
           <a:p>
             <a:fld id="{7B1E1FFC-F755-4558-8D3C-A157D1A01A8A}" type="datetime4">
               <a:rPr lang="ko-KR" altLang="en-US" noProof="0" smtClean="0"/>
-              <a:t>2021년 7월 11일</a:t>
+              <a:t>2021년 7월 12일</a:t>
             </a:fld>
             <a:endParaRPr lang="ko-KR" altLang="en-US" noProof="0"/>
           </a:p>
@@ -6922,7 +6922,7 @@
             <a:pPr rtl="0"/>
             <a:fld id="{DA2A33C0-A4A8-4C90-B6DA-35B8CF58C816}" type="datetime4">
               <a:rPr lang="ko-KR" altLang="en-US" noProof="0" smtClean="0"/>
-              <a:t>2021년 7월 11일</a:t>
+              <a:t>2021년 7월 12일</a:t>
             </a:fld>
             <a:endParaRPr lang="ko-KR" altLang="en-US" noProof="0"/>
           </a:p>
@@ -8870,7 +8870,7 @@
           <a:p>
             <a:fld id="{53CB1B8F-A14A-4BE4-A9B9-3B263F04145C}" type="datetime4">
               <a:rPr lang="ko-KR" altLang="en-US" noProof="0" smtClean="0"/>
-              <a:t>2021년 7월 11일</a:t>
+              <a:t>2021년 7월 12일</a:t>
             </a:fld>
             <a:endParaRPr lang="ko-KR" altLang="en-US" noProof="0"/>
           </a:p>
@@ -11167,7 +11167,7 @@
           <a:p>
             <a:fld id="{5B9196A3-957C-4113-A568-B6ED9AEA3D01}" type="datetime4">
               <a:rPr lang="ko-KR" altLang="en-US" noProof="0" smtClean="0"/>
-              <a:t>2021년 7월 11일</a:t>
+              <a:t>2021년 7월 12일</a:t>
             </a:fld>
             <a:endParaRPr lang="ko-KR" altLang="en-US" noProof="0"/>
           </a:p>
@@ -15484,7 +15484,7 @@
           <a:p>
             <a:fld id="{28BEB146-D335-4DA5-9826-58595BCDBE2E}" type="datetime4">
               <a:rPr lang="ko-KR" altLang="en-US" noProof="0" smtClean="0"/>
-              <a:t>2021년 7월 11일</a:t>
+              <a:t>2021년 7월 12일</a:t>
             </a:fld>
             <a:endParaRPr lang="ko-KR" altLang="en-US" noProof="0"/>
           </a:p>
@@ -16139,18 +16139,17 @@
           <a:lstStyle/>
           <a:p>
             <a:r>
-              <a:rPr lang="ko-KR" altLang="en-US"/>
+              <a:rPr lang="ko-KR" altLang="en-US" dirty="0"/>
               <a:t>섹터</a:t>
             </a:r>
             <a:r>
-              <a:rPr lang="en-US" altLang="ko-KR"/>
+              <a:rPr lang="en-US" altLang="ko-KR" dirty="0"/>
               <a:t>4 </a:t>
             </a:r>
             <a:r>
-              <a:rPr lang="ko-KR" altLang="en-US"/>
+              <a:rPr lang="ko-KR" altLang="en-US" dirty="0"/>
               <a:t>목표</a:t>
             </a:r>
-            <a:endParaRPr lang="ko-KR" altLang="en-US" dirty="0"/>
           </a:p>
         </p:txBody>
       </p:sp>
@@ -16178,73 +16177,124 @@
           <a:lstStyle/>
           <a:p>
             <a:r>
-              <a:rPr lang="en-US" altLang="ko-KR"/>
+              <a:rPr lang="en-US" altLang="ko-KR" dirty="0"/>
               <a:t>IoC </a:t>
             </a:r>
             <a:r>
-              <a:rPr lang="ko-KR" altLang="en-US"/>
+              <a:rPr lang="ko-KR" altLang="en-US" dirty="0"/>
               <a:t>와 </a:t>
             </a:r>
             <a:r>
-              <a:rPr lang="en-US" altLang="ko-KR"/>
+              <a:rPr lang="en-US" altLang="ko-KR" dirty="0"/>
               <a:t>DI </a:t>
             </a:r>
             <a:r>
-              <a:rPr lang="ko-KR" altLang="en-US"/>
+              <a:rPr lang="ko-KR" altLang="en-US" dirty="0"/>
               <a:t>개념을 이해</a:t>
             </a:r>
-            <a:endParaRPr lang="en-US" altLang="ko-KR"/>
+            <a:endParaRPr lang="en-US" altLang="ko-KR" dirty="0"/>
           </a:p>
           <a:p>
             <a:pPr lvl="1"/>
             <a:r>
-              <a:rPr lang="ko-KR" altLang="en-US">
+              <a:rPr lang="ko-KR" altLang="en-US" dirty="0">
                 <a:solidFill>
                   <a:srgbClr val="FF0000"/>
                 </a:solidFill>
               </a:rPr>
               <a:t>개발자가 만든 공통기능을 쉽게 사용</a:t>
             </a:r>
-            <a:endParaRPr lang="en-US" altLang="ko-KR">
+            <a:endParaRPr lang="en-US" altLang="ko-KR" dirty="0">
               <a:solidFill>
                 <a:srgbClr val="FF0000"/>
               </a:solidFill>
             </a:endParaRPr>
           </a:p>
           <a:p>
-            <a:r>
-              <a:rPr lang="en-US" altLang="ko-KR"/>
-              <a:t>IoC </a:t>
-            </a:r>
-            <a:r>
-              <a:rPr lang="ko-KR" altLang="en-US"/>
-              <a:t>와 </a:t>
-            </a:r>
-            <a:r>
-              <a:rPr lang="en-US" altLang="ko-KR"/>
-              <a:t>DI </a:t>
-            </a:r>
-            <a:r>
-              <a:rPr lang="ko-KR" altLang="en-US"/>
-              <a:t>기능 구현</a:t>
-            </a:r>
-            <a:endParaRPr lang="en-US" altLang="ko-KR" dirty="0"/>
-          </a:p>
-          <a:p>
             <a:pPr lvl="1"/>
             <a:r>
-              <a:rPr lang="en-US" altLang="ko-KR">
+              <a:rPr lang="ko-KR" altLang="en-US" dirty="0">
                 <a:solidFill>
                   <a:srgbClr val="FF0000"/>
                 </a:solidFill>
               </a:rPr>
-              <a:t>MasterController.execute("callList")</a:t>
+              <a:t>개발자의 공통기능 </a:t>
+            </a:r>
+            <a:r>
+              <a:rPr lang="en-US" altLang="ko-KR" dirty="0">
+                <a:solidFill>
+                  <a:srgbClr val="FF0000"/>
+                </a:solidFill>
+              </a:rPr>
+              <a:t>= </a:t>
+            </a:r>
+            <a:r>
+              <a:rPr lang="ko-KR" altLang="en-US" dirty="0">
+                <a:solidFill>
+                  <a:srgbClr val="FF0000"/>
+                </a:solidFill>
+              </a:rPr>
+              <a:t>서비스 코드</a:t>
             </a:r>
             <a:endParaRPr lang="en-US" altLang="ko-KR" dirty="0">
               <a:solidFill>
                 <a:srgbClr val="FF0000"/>
               </a:solidFill>
             </a:endParaRPr>
+          </a:p>
+          <a:p>
+            <a:r>
+              <a:rPr lang="en-US" altLang="ko-KR" dirty="0"/>
+              <a:t>IoC </a:t>
+            </a:r>
+            <a:r>
+              <a:rPr lang="ko-KR" altLang="en-US" dirty="0"/>
+              <a:t>와 </a:t>
+            </a:r>
+            <a:r>
+              <a:rPr lang="en-US" altLang="ko-KR" dirty="0"/>
+              <a:t>DI </a:t>
+            </a:r>
+            <a:r>
+              <a:rPr lang="ko-KR" altLang="en-US" dirty="0"/>
+              <a:t>기능 구현</a:t>
+            </a:r>
+            <a:endParaRPr lang="en-US" altLang="ko-KR" dirty="0"/>
+          </a:p>
+          <a:p>
+            <a:pPr lvl="1"/>
+            <a:r>
+              <a:rPr lang="en-US" altLang="ko-KR" dirty="0" err="1">
+                <a:solidFill>
+                  <a:srgbClr val="FF0000"/>
+                </a:solidFill>
+              </a:rPr>
+              <a:t>MasterController.execute</a:t>
+            </a:r>
+            <a:r>
+              <a:rPr lang="en-US" altLang="ko-KR" dirty="0">
+                <a:solidFill>
+                  <a:srgbClr val="FF0000"/>
+                </a:solidFill>
+              </a:rPr>
+              <a:t>("</a:t>
+            </a:r>
+            <a:r>
+              <a:rPr lang="en-US" altLang="ko-KR" dirty="0" err="1">
+                <a:solidFill>
+                  <a:srgbClr val="FF0000"/>
+                </a:solidFill>
+              </a:rPr>
+              <a:t>callList</a:t>
+            </a:r>
+            <a:r>
+              <a:rPr lang="en-US" altLang="ko-KR" dirty="0">
+                <a:solidFill>
+                  <a:srgbClr val="FF0000"/>
+                </a:solidFill>
+              </a:rPr>
+              <a:t>")</a:t>
+            </a:r>
           </a:p>
         </p:txBody>
       </p:sp>
@@ -16270,8 +16320,38 @@
         </p:blipFill>
         <p:spPr>
           <a:xfrm>
-            <a:off x="6605101" y="1004909"/>
+            <a:off x="6800546" y="2053867"/>
             <a:ext cx="4216560" cy="2619066"/>
+          </a:xfrm>
+          <a:prstGeom prst="rect">
+            <a:avLst/>
+          </a:prstGeom>
+        </p:spPr>
+      </p:pic>
+      <p:pic>
+        <p:nvPicPr>
+          <p:cNvPr id="6" name="그림 5">
+            <a:extLst>
+              <a:ext uri="{FF2B5EF4-FFF2-40B4-BE49-F238E27FC236}">
+                <a16:creationId xmlns:a16="http://schemas.microsoft.com/office/drawing/2014/main" id="{E72DEF11-8BE9-42D1-AFD8-DD5F549EED16}"/>
+              </a:ext>
+            </a:extLst>
+          </p:cNvPr>
+          <p:cNvPicPr>
+            <a:picLocks noChangeAspect="1"/>
+          </p:cNvPicPr>
+          <p:nvPr/>
+        </p:nvPicPr>
+        <p:blipFill>
+          <a:blip r:embed="rId3"/>
+          <a:stretch>
+            <a:fillRect/>
+          </a:stretch>
+        </p:blipFill>
+        <p:spPr>
+          <a:xfrm>
+            <a:off x="6800546" y="577976"/>
+            <a:ext cx="3441009" cy="977647"/>
           </a:xfrm>
           <a:prstGeom prst="rect">
             <a:avLst/>
@@ -16342,47 +16422,8 @@
           <a:lstStyle/>
           <a:p>
             <a:r>
-              <a:rPr lang="en-US" altLang="ko-KR" dirty="0"/>
-              <a:t>A </a:t>
-            </a:r>
-            <a:r>
               <a:rPr lang="ko-KR" altLang="en-US" dirty="0"/>
-              <a:t>클래스</a:t>
-            </a:r>
-            <a:r>
-              <a:rPr lang="en-US" altLang="ko-KR" dirty="0"/>
-              <a:t>(</a:t>
-            </a:r>
-            <a:r>
-              <a:rPr lang="ko-KR" altLang="en-US" dirty="0"/>
-              <a:t>모듈</a:t>
-            </a:r>
-            <a:r>
-              <a:rPr lang="en-US" altLang="ko-KR" dirty="0"/>
-              <a:t>)</a:t>
-            </a:r>
-            <a:r>
-              <a:rPr lang="ko-KR" altLang="en-US" dirty="0"/>
-              <a:t>가 </a:t>
-            </a:r>
-            <a:r>
-              <a:rPr lang="en-US" altLang="ko-KR" dirty="0"/>
-              <a:t>B </a:t>
-            </a:r>
-            <a:r>
-              <a:rPr lang="ko-KR" altLang="en-US" dirty="0"/>
-              <a:t>클래스 기능을 사용하는 방법</a:t>
-            </a:r>
-            <a:br>
-              <a:rPr lang="en-US" altLang="ko-KR" dirty="0"/>
-            </a:br>
-            <a:r>
-              <a:rPr lang="en-US" altLang="ko-KR" dirty="0"/>
-              <a:t>- </a:t>
-            </a:r>
-            <a:r>
-              <a:rPr lang="ko-KR" altLang="en-US" dirty="0"/>
-              <a:t>객체전달</a:t>
+              <a:t>공통기능 재사용 방법</a:t>
             </a:r>
           </a:p>
         </p:txBody>
@@ -16405,12 +16446,14 @@
         </p:nvSpPr>
         <p:spPr/>
         <p:txBody>
-          <a:bodyPr/>
+          <a:bodyPr>
+            <a:normAutofit/>
+          </a:bodyPr>
           <a:lstStyle/>
           <a:p>
             <a:r>
-              <a:rPr lang="ko-KR" altLang="en-US"/>
-              <a:t>공통기능 전달</a:t>
+              <a:rPr lang="ko-KR" altLang="en-US" dirty="0"/>
+              <a:t>공통기능 재사용</a:t>
             </a:r>
             <a:endParaRPr lang="en-US" altLang="ko-KR" dirty="0"/>
           </a:p>
@@ -16448,28 +16491,21 @@
           <a:p>
             <a:pPr lvl="1"/>
             <a:r>
-              <a:rPr lang="en-US" altLang="ko-KR"/>
+              <a:rPr lang="en-US" altLang="ko-KR" dirty="0" err="1"/>
               <a:t>ThreadLocal</a:t>
             </a:r>
+            <a:endParaRPr lang="en-US" altLang="ko-KR" dirty="0"/>
           </a:p>
           <a:p>
             <a:r>
-              <a:rPr lang="ko-KR" altLang="en-US"/>
-              <a:t>서비스로직의 공통기능 재사용</a:t>
-            </a:r>
-            <a:endParaRPr lang="en-US" altLang="ko-KR"/>
-          </a:p>
-          <a:p>
-            <a:pPr lvl="1"/>
-            <a:r>
-              <a:rPr lang="ko-KR" altLang="en-US">
+              <a:rPr lang="ko-KR" altLang="en-US" dirty="0">
                 <a:solidFill>
                   <a:srgbClr val="FF0000"/>
                 </a:solidFill>
               </a:rPr>
-              <a:t>공통기능 전달로는 어려움</a:t>
-            </a:r>
-            <a:endParaRPr lang="en-US" altLang="ko-KR">
+              <a:t>재사용은 컴파일이 필요</a:t>
+            </a:r>
+            <a:endParaRPr lang="en-US" altLang="ko-KR" dirty="0">
               <a:solidFill>
                 <a:srgbClr val="FF0000"/>
               </a:solidFill>
@@ -16478,31 +16514,35 @@
           <a:p>
             <a:pPr lvl="1"/>
             <a:r>
-              <a:rPr lang="en-US" altLang="ko-KR"/>
-              <a:t>IoC </a:t>
-            </a:r>
-            <a:r>
-              <a:rPr lang="ko-KR" altLang="en-US"/>
-              <a:t>와 </a:t>
-            </a:r>
-            <a:r>
-              <a:rPr lang="en-US" altLang="ko-KR"/>
-              <a:t>DI </a:t>
-            </a:r>
-            <a:r>
-              <a:rPr lang="ko-KR" altLang="en-US"/>
-              <a:t>사용</a:t>
-            </a:r>
-            <a:endParaRPr lang="en-US" altLang="ko-KR" dirty="0"/>
+              <a:rPr lang="en-US" altLang="ko-KR" dirty="0"/>
+              <a:t>A </a:t>
+            </a:r>
+            <a:r>
+              <a:rPr lang="ko-KR" altLang="en-US" dirty="0"/>
+              <a:t>에서 </a:t>
+            </a:r>
+            <a:r>
+              <a:rPr lang="en-US" altLang="ko-KR" dirty="0"/>
+              <a:t>B </a:t>
+            </a:r>
+            <a:r>
+              <a:rPr lang="ko-KR" altLang="en-US" dirty="0"/>
+              <a:t>의 기능을 사용하기 위해</a:t>
+            </a:r>
+            <a:endParaRPr lang="en-US" altLang="ko-KR" dirty="0">
+              <a:solidFill>
+                <a:srgbClr val="FF0000"/>
+              </a:solidFill>
+            </a:endParaRPr>
           </a:p>
         </p:txBody>
       </p:sp>
       <p:pic>
         <p:nvPicPr>
-          <p:cNvPr id="5" name="그림 4">
+          <p:cNvPr id="6" name="그림 5">
             <a:extLst>
               <a:ext uri="{FF2B5EF4-FFF2-40B4-BE49-F238E27FC236}">
-                <a16:creationId xmlns:a16="http://schemas.microsoft.com/office/drawing/2014/main" id="{E689F03D-D5E4-44E8-A991-08FFCB1F14AB}"/>
+                <a16:creationId xmlns:a16="http://schemas.microsoft.com/office/drawing/2014/main" id="{2E9B905A-0043-4110-9D18-C7F71F508A43}"/>
               </a:ext>
             </a:extLst>
           </p:cNvPr>
@@ -16511,15 +16551,46 @@
           </p:cNvPicPr>
           <p:nvPr/>
         </p:nvPicPr>
-        <p:blipFill rotWithShape="1">
+        <p:blipFill>
           <a:blip r:embed="rId2"/>
-          <a:srcRect t="3965"/>
-          <a:stretch/>
+          <a:stretch>
+            <a:fillRect/>
+          </a:stretch>
         </p:blipFill>
         <p:spPr>
           <a:xfrm>
-            <a:off x="6605087" y="1365936"/>
-            <a:ext cx="4887760" cy="3809999"/>
+            <a:off x="6800546" y="2053867"/>
+            <a:ext cx="4216560" cy="2619066"/>
+          </a:xfrm>
+          <a:prstGeom prst="rect">
+            <a:avLst/>
+          </a:prstGeom>
+        </p:spPr>
+      </p:pic>
+      <p:pic>
+        <p:nvPicPr>
+          <p:cNvPr id="7" name="그림 6">
+            <a:extLst>
+              <a:ext uri="{FF2B5EF4-FFF2-40B4-BE49-F238E27FC236}">
+                <a16:creationId xmlns:a16="http://schemas.microsoft.com/office/drawing/2014/main" id="{9989DB6C-09FD-4EAE-9500-59C2E1032B88}"/>
+              </a:ext>
+            </a:extLst>
+          </p:cNvPr>
+          <p:cNvPicPr>
+            <a:picLocks noChangeAspect="1"/>
+          </p:cNvPicPr>
+          <p:nvPr/>
+        </p:nvPicPr>
+        <p:blipFill>
+          <a:blip r:embed="rId3"/>
+          <a:stretch>
+            <a:fillRect/>
+          </a:stretch>
+        </p:blipFill>
+        <p:spPr>
+          <a:xfrm>
+            <a:off x="6800546" y="577976"/>
+            <a:ext cx="3441009" cy="977647"/>
           </a:xfrm>
           <a:prstGeom prst="rect">
             <a:avLst/>
@@ -16631,7 +16702,7 @@
         <p:spPr/>
         <p:txBody>
           <a:bodyPr>
-            <a:normAutofit lnSpcReduction="10000"/>
+            <a:normAutofit fontScale="92500" lnSpcReduction="20000"/>
           </a:bodyPr>
           <a:lstStyle/>
           <a:p>
@@ -16659,15 +16730,15 @@
           <a:p>
             <a:pPr lvl="1"/>
             <a:r>
-              <a:rPr lang="en-US" altLang="ko-KR"/>
+              <a:rPr lang="en-US" altLang="ko-KR" dirty="0"/>
               <a:t>B</a:t>
             </a:r>
             <a:r>
-              <a:rPr lang="ko-KR" altLang="en-US"/>
+              <a:rPr lang="ko-KR" altLang="en-US" dirty="0"/>
               <a:t>를 사용할 수 있도록 </a:t>
             </a:r>
             <a:r>
-              <a:rPr lang="ko-KR" altLang="en-US">
+              <a:rPr lang="ko-KR" altLang="en-US" dirty="0">
                 <a:solidFill>
                   <a:srgbClr val="FF0000"/>
                 </a:solidFill>
@@ -16675,7 +16746,7 @@
               <a:t>준비</a:t>
             </a:r>
             <a:r>
-              <a:rPr lang="ko-KR" altLang="en-US"/>
+              <a:rPr lang="ko-KR" altLang="en-US" dirty="0"/>
               <a:t>한다</a:t>
             </a:r>
             <a:r>
@@ -16713,15 +16784,15 @@
           <a:p>
             <a:pPr lvl="1"/>
             <a:r>
-              <a:rPr lang="en-US" altLang="ko-KR"/>
+              <a:rPr lang="en-US" altLang="ko-KR" dirty="0"/>
               <a:t>B</a:t>
             </a:r>
             <a:r>
-              <a:rPr lang="ko-KR" altLang="en-US"/>
+              <a:rPr lang="ko-KR" altLang="en-US" dirty="0"/>
               <a:t>의 기능을 </a:t>
             </a:r>
             <a:r>
-              <a:rPr lang="ko-KR" altLang="en-US">
+              <a:rPr lang="ko-KR" altLang="en-US" dirty="0">
                 <a:solidFill>
                   <a:srgbClr val="FF0000"/>
                 </a:solidFill>
@@ -16729,14 +16800,13 @@
               <a:t>실행</a:t>
             </a:r>
             <a:r>
-              <a:rPr lang="ko-KR" altLang="en-US"/>
+              <a:rPr lang="ko-KR" altLang="en-US" dirty="0"/>
               <a:t>한다</a:t>
             </a:r>
             <a:r>
-              <a:rPr lang="en-US" altLang="ko-KR"/>
+              <a:rPr lang="en-US" altLang="ko-KR" dirty="0"/>
               <a:t>.</a:t>
             </a:r>
-            <a:endParaRPr lang="en-US" altLang="ko-KR" dirty="0"/>
           </a:p>
           <a:p>
             <a:r>
@@ -16757,7 +16827,15 @@
             </a:r>
             <a:r>
               <a:rPr lang="en-US" altLang="ko-KR" dirty="0"/>
-              <a:t>.</a:t>
+              <a:t>. (</a:t>
+            </a:r>
+            <a:r>
+              <a:rPr lang="ko-KR" altLang="en-US" dirty="0"/>
+              <a:t>재사용한다</a:t>
+            </a:r>
+            <a:r>
+              <a:rPr lang="en-US" altLang="ko-KR" dirty="0"/>
+              <a:t>.)</a:t>
             </a:r>
           </a:p>
           <a:p>
@@ -16767,11 +16845,11 @@
               <a:t>B </a:t>
             </a:r>
             <a:r>
-              <a:rPr lang="ko-KR" altLang="en-US"/>
+              <a:rPr lang="ko-KR" altLang="en-US" dirty="0"/>
               <a:t>를 </a:t>
             </a:r>
             <a:r>
-              <a:rPr lang="ko-KR" altLang="en-US">
+              <a:rPr lang="ko-KR" altLang="en-US" dirty="0">
                 <a:solidFill>
                   <a:srgbClr val="FF0000"/>
                 </a:solidFill>
@@ -16779,7 +16857,7 @@
               <a:t>준비</a:t>
             </a:r>
             <a:r>
-              <a:rPr lang="ko-KR" altLang="en-US"/>
+              <a:rPr lang="ko-KR" altLang="en-US" dirty="0"/>
               <a:t>하고</a:t>
             </a:r>
             <a:endParaRPr lang="en-US" altLang="ko-KR" dirty="0"/>
@@ -16787,15 +16865,15 @@
           <a:p>
             <a:pPr lvl="1"/>
             <a:r>
-              <a:rPr lang="en-US" altLang="ko-KR"/>
+              <a:rPr lang="en-US" altLang="ko-KR" dirty="0"/>
               <a:t>B </a:t>
             </a:r>
             <a:r>
-              <a:rPr lang="ko-KR" altLang="en-US"/>
+              <a:rPr lang="ko-KR" altLang="en-US" dirty="0"/>
               <a:t>를 </a:t>
             </a:r>
             <a:r>
-              <a:rPr lang="ko-KR" altLang="en-US">
+              <a:rPr lang="ko-KR" altLang="en-US" dirty="0">
                 <a:solidFill>
                   <a:srgbClr val="FF0000"/>
                 </a:solidFill>
@@ -16803,23 +16881,23 @@
               <a:t>실행</a:t>
             </a:r>
             <a:r>
-              <a:rPr lang="ko-KR" altLang="en-US"/>
+              <a:rPr lang="ko-KR" altLang="en-US" dirty="0"/>
               <a:t>하고</a:t>
             </a:r>
-            <a:endParaRPr lang="en-US" altLang="ko-KR"/>
+            <a:endParaRPr lang="en-US" altLang="ko-KR" dirty="0"/>
           </a:p>
           <a:p>
             <a:pPr lvl="1"/>
             <a:r>
-              <a:rPr lang="en-US" altLang="ko-KR"/>
+              <a:rPr lang="en-US" altLang="ko-KR" dirty="0"/>
               <a:t>B </a:t>
             </a:r>
             <a:r>
-              <a:rPr lang="ko-KR" altLang="en-US"/>
+              <a:rPr lang="ko-KR" altLang="en-US" dirty="0"/>
               <a:t>를 </a:t>
             </a:r>
             <a:r>
-              <a:rPr lang="ko-KR" altLang="en-US">
+              <a:rPr lang="ko-KR" altLang="en-US" dirty="0">
                 <a:solidFill>
                   <a:srgbClr val="FF0000"/>
                 </a:solidFill>
@@ -16827,54 +16905,50 @@
               <a:t>마무리</a:t>
             </a:r>
             <a:r>
-              <a:rPr lang="ko-KR" altLang="en-US"/>
+              <a:rPr lang="ko-KR" altLang="en-US" dirty="0"/>
               <a:t>한다</a:t>
             </a:r>
             <a:r>
-              <a:rPr lang="en-US" altLang="ko-KR"/>
-              <a:t>.</a:t>
+              <a:rPr lang="en-US" altLang="ko-KR" dirty="0"/>
+              <a:t>. </a:t>
             </a:r>
           </a:p>
           <a:p>
             <a:r>
-              <a:rPr lang="ko-KR" altLang="en-US">
+              <a:rPr lang="ko-KR" altLang="en-US" dirty="0">
                 <a:solidFill>
                   <a:srgbClr val="FF0000"/>
                 </a:solidFill>
               </a:rPr>
-              <a:t>공통기능을 재사용하기 위해 </a:t>
-            </a:r>
-            <a:r>
-              <a:rPr lang="en-US" altLang="ko-KR">
+              <a:t>의존성 주입</a:t>
+            </a:r>
+            <a:r>
+              <a:rPr lang="ko-KR" altLang="en-US" dirty="0"/>
+              <a:t>과 </a:t>
+            </a:r>
+            <a:r>
+              <a:rPr lang="ko-KR" altLang="en-US" dirty="0">
                 <a:solidFill>
                   <a:srgbClr val="FF0000"/>
                 </a:solidFill>
               </a:rPr>
-              <a:t>DI </a:t>
-            </a:r>
-            <a:r>
-              <a:rPr lang="ko-KR" altLang="en-US">
+              <a:t>역전제어</a:t>
+            </a:r>
+            <a:r>
+              <a:rPr lang="ko-KR" altLang="en-US" dirty="0"/>
+              <a:t>는 공통기능을 쉽게 재사용 할 수 있게 함</a:t>
+            </a:r>
+            <a:endParaRPr lang="en-US" altLang="ko-KR" dirty="0"/>
+          </a:p>
+          <a:p>
+            <a:pPr lvl="1"/>
+            <a:r>
+              <a:rPr lang="ko-KR" altLang="en-US" dirty="0">
                 <a:solidFill>
                   <a:srgbClr val="FF0000"/>
                 </a:solidFill>
               </a:rPr>
-              <a:t>와 </a:t>
-            </a:r>
-            <a:r>
-              <a:rPr lang="en-US" altLang="ko-KR">
-                <a:solidFill>
-                  <a:srgbClr val="FF0000"/>
-                </a:solidFill>
-              </a:rPr>
-              <a:t>IoC</a:t>
-            </a:r>
-            <a:r>
-              <a:rPr lang="ko-KR" altLang="en-US">
-                <a:solidFill>
-                  <a:srgbClr val="FF0000"/>
-                </a:solidFill>
-              </a:rPr>
-              <a:t>를 사용</a:t>
+              <a:t>컴파일 없이</a:t>
             </a:r>
             <a:endParaRPr lang="en-US" altLang="ko-KR" dirty="0">
               <a:solidFill>
@@ -16886,10 +16960,10 @@
       </p:sp>
       <p:pic>
         <p:nvPicPr>
-          <p:cNvPr id="8" name="그림 7">
+          <p:cNvPr id="5" name="그림 4">
             <a:extLst>
               <a:ext uri="{FF2B5EF4-FFF2-40B4-BE49-F238E27FC236}">
-                <a16:creationId xmlns:a16="http://schemas.microsoft.com/office/drawing/2014/main" id="{29B838A3-146C-44D2-B311-5E6C515AC282}"/>
+                <a16:creationId xmlns:a16="http://schemas.microsoft.com/office/drawing/2014/main" id="{5DEDDB00-F15D-4A26-B0A0-9BFC3A4F7FF7}"/>
               </a:ext>
             </a:extLst>
           </p:cNvPr>
@@ -16906,8 +16980,38 @@
         </p:blipFill>
         <p:spPr>
           <a:xfrm>
-            <a:off x="6096000" y="1263284"/>
-            <a:ext cx="4799921" cy="2938086"/>
+            <a:off x="6800546" y="2053867"/>
+            <a:ext cx="4216560" cy="2619066"/>
+          </a:xfrm>
+          <a:prstGeom prst="rect">
+            <a:avLst/>
+          </a:prstGeom>
+        </p:spPr>
+      </p:pic>
+      <p:pic>
+        <p:nvPicPr>
+          <p:cNvPr id="6" name="그림 5">
+            <a:extLst>
+              <a:ext uri="{FF2B5EF4-FFF2-40B4-BE49-F238E27FC236}">
+                <a16:creationId xmlns:a16="http://schemas.microsoft.com/office/drawing/2014/main" id="{E706B152-4181-464A-9384-9CC0524915D7}"/>
+              </a:ext>
+            </a:extLst>
+          </p:cNvPr>
+          <p:cNvPicPr>
+            <a:picLocks noChangeAspect="1"/>
+          </p:cNvPicPr>
+          <p:nvPr/>
+        </p:nvPicPr>
+        <p:blipFill>
+          <a:blip r:embed="rId3"/>
+          <a:stretch>
+            <a:fillRect/>
+          </a:stretch>
+        </p:blipFill>
+        <p:spPr>
+          <a:xfrm>
+            <a:off x="6800546" y="577976"/>
+            <a:ext cx="3441009" cy="977647"/>
           </a:xfrm>
           <a:prstGeom prst="rect">
             <a:avLst/>

--- a/inflearn04/doc/3.비즈니스 공통 기능을 재사용할 수 있는 IoC 와 DI 를 구현합니다.pptx
+++ b/inflearn04/doc/3.비즈니스 공통 기능을 재사용할 수 있는 IoC 와 DI 를 구현합니다.pptx
@@ -5,10 +5,10 @@
     <p:sldMasterId id="2147483648" r:id="rId1"/>
   </p:sldMasterIdLst>
   <p:notesMasterIdLst>
-    <p:notesMasterId r:id="rId10"/>
+    <p:notesMasterId r:id="rId11"/>
   </p:notesMasterIdLst>
   <p:handoutMasterIdLst>
-    <p:handoutMasterId r:id="rId11"/>
+    <p:handoutMasterId r:id="rId12"/>
   </p:handoutMasterIdLst>
   <p:sldIdLst>
     <p:sldId id="261" r:id="rId2"/>
@@ -16,9 +16,10 @@
     <p:sldId id="271" r:id="rId4"/>
     <p:sldId id="287" r:id="rId5"/>
     <p:sldId id="288" r:id="rId6"/>
-    <p:sldId id="289" r:id="rId7"/>
-    <p:sldId id="292" r:id="rId8"/>
-    <p:sldId id="291" r:id="rId9"/>
+    <p:sldId id="293" r:id="rId7"/>
+    <p:sldId id="289" r:id="rId8"/>
+    <p:sldId id="292" r:id="rId9"/>
+    <p:sldId id="291" r:id="rId10"/>
   </p:sldIdLst>
   <p:sldSz cx="12192000" cy="6858000"/>
   <p:notesSz cx="6858000" cy="9144000"/>
@@ -17131,11 +17132,11 @@
           <a:p>
             <a:pPr lvl="1"/>
             <a:r>
-              <a:rPr lang="ko-KR" altLang="en-US"/>
+              <a:rPr lang="ko-KR" altLang="en-US" dirty="0"/>
               <a:t>어떤 기능이 </a:t>
             </a:r>
             <a:r>
-              <a:rPr lang="ko-KR" altLang="en-US">
+              <a:rPr lang="ko-KR" altLang="en-US" dirty="0">
                 <a:solidFill>
                   <a:srgbClr val="FF0000"/>
                 </a:solidFill>
@@ -17143,11 +17144,11 @@
               <a:t>준비</a:t>
             </a:r>
             <a:r>
-              <a:rPr lang="ko-KR" altLang="en-US"/>
+              <a:rPr lang="ko-KR" altLang="en-US" dirty="0"/>
               <a:t>되고 </a:t>
             </a:r>
             <a:r>
-              <a:rPr lang="ko-KR" altLang="en-US">
+              <a:rPr lang="ko-KR" altLang="en-US" dirty="0">
                 <a:solidFill>
                   <a:srgbClr val="FF0000"/>
                 </a:solidFill>
@@ -17155,7 +17156,7 @@
               <a:t>실행</a:t>
             </a:r>
             <a:r>
-              <a:rPr lang="ko-KR" altLang="en-US"/>
+              <a:rPr lang="ko-KR" altLang="en-US" dirty="0"/>
               <a:t>될지 지 알려줌</a:t>
             </a:r>
             <a:endParaRPr lang="en-US" altLang="ko-KR" dirty="0"/>
@@ -17164,19 +17165,7 @@
             <a:pPr lvl="1"/>
             <a:r>
               <a:rPr lang="ko-KR" altLang="en-US" dirty="0"/>
-              <a:t>기능과 데이터가 실행 시점에 결정될 </a:t>
-            </a:r>
-            <a:r>
-              <a:rPr lang="ko-KR" altLang="en-US"/>
-              <a:t>때 이용되는 </a:t>
-            </a:r>
-            <a:r>
-              <a:rPr lang="ko-KR" altLang="en-US">
-                <a:solidFill>
-                  <a:srgbClr val="FF0000"/>
-                </a:solidFill>
-              </a:rPr>
-              <a:t>바인딩 </a:t>
+              <a:t>기능과 데이터가 실행 시점에 결정될 때 이용되는 </a:t>
             </a:r>
             <a:r>
               <a:rPr lang="ko-KR" altLang="en-US" dirty="0">
@@ -17184,7 +17173,7 @@
                   <a:srgbClr val="FF0000"/>
                 </a:solidFill>
               </a:rPr>
-              <a:t>정보</a:t>
+              <a:t>바인딩 정보</a:t>
             </a:r>
             <a:endParaRPr lang="en-US" altLang="ko-KR" dirty="0">
               <a:solidFill>
@@ -17195,7 +17184,7 @@
           <a:p>
             <a:pPr lvl="1"/>
             <a:r>
-              <a:rPr lang="ko-KR" altLang="en-US"/>
+              <a:rPr lang="ko-KR" altLang="en-US" dirty="0"/>
               <a:t>기능과 데이터를 결정하는 정보</a:t>
             </a:r>
             <a:endParaRPr lang="en-US" altLang="ko-KR" dirty="0"/>
@@ -17204,37 +17193,26 @@
             <a:pPr lvl="2"/>
             <a:r>
               <a:rPr lang="en-US" altLang="ko-KR" dirty="0"/>
-              <a:t>http://localhost:18080/</a:t>
-            </a:r>
-            <a:r>
-              <a:rPr lang="en-US" altLang="ko-KR"/>
-              <a:t>waf/callList</a:t>
-            </a:r>
-            <a:endParaRPr lang="en-US" altLang="ko-KR" dirty="0"/>
+              <a:t>http://localhost:18080/waf/callList</a:t>
+            </a:r>
           </a:p>
           <a:p>
             <a:pPr lvl="2"/>
             <a:r>
               <a:rPr lang="en-US" altLang="ko-KR" dirty="0"/>
-              <a:t>http://localhost:18080/</a:t>
-            </a:r>
-            <a:r>
-              <a:rPr lang="en-US" altLang="ko-KR"/>
-              <a:t>waf/exeWrite</a:t>
-            </a:r>
-            <a:endParaRPr lang="en-US" altLang="ko-KR" dirty="0"/>
+              <a:t>http://localhost:18080/waf/exeWrite</a:t>
+            </a:r>
           </a:p>
           <a:p>
             <a:pPr lvl="2"/>
             <a:r>
-              <a:rPr lang="en-US" altLang="ko-KR"/>
+              <a:rPr lang="en-US" altLang="ko-KR" dirty="0"/>
               <a:t>http://localhost:18080/waf/exeLogin</a:t>
             </a:r>
-            <a:endParaRPr lang="en-US" altLang="ko-KR" dirty="0"/>
           </a:p>
           <a:p>
             <a:r>
-              <a:rPr lang="ko-KR" altLang="en-US"/>
+              <a:rPr lang="ko-KR" altLang="en-US" dirty="0"/>
               <a:t>의존성 주입의 기준</a:t>
             </a:r>
             <a:endParaRPr lang="en-US" altLang="ko-KR" dirty="0"/>
@@ -17242,8 +17220,24 @@
           <a:p>
             <a:pPr lvl="1"/>
             <a:r>
-              <a:rPr lang="en-US" altLang="ko-KR"/>
-              <a:t>callList, exeWrite, exeLogin</a:t>
+              <a:rPr lang="en-US" altLang="ko-KR" dirty="0" err="1"/>
+              <a:t>callList</a:t>
+            </a:r>
+            <a:r>
+              <a:rPr lang="en-US" altLang="ko-KR" dirty="0"/>
+              <a:t>, </a:t>
+            </a:r>
+            <a:r>
+              <a:rPr lang="en-US" altLang="ko-KR" dirty="0" err="1"/>
+              <a:t>exeWrite</a:t>
+            </a:r>
+            <a:r>
+              <a:rPr lang="en-US" altLang="ko-KR" dirty="0"/>
+              <a:t>, </a:t>
+            </a:r>
+            <a:r>
+              <a:rPr lang="en-US" altLang="ko-KR" dirty="0" err="1"/>
+              <a:t>exeLogin</a:t>
             </a:r>
             <a:endParaRPr lang="en-US" altLang="ko-KR" dirty="0"/>
           </a:p>
@@ -17319,12 +17313,12 @@
           <a:lstStyle/>
           <a:p>
             <a:r>
-              <a:rPr lang="ko-KR" altLang="en-US"/>
-              <a:t>역전제어 </a:t>
-            </a:r>
-            <a:r>
-              <a:rPr lang="en-US" altLang="ko-KR"/>
-              <a:t>(IoC, Inversion of Control)</a:t>
+              <a:rPr lang="ko-KR" altLang="en-US" dirty="0"/>
+              <a:t>의존성 주입 </a:t>
+            </a:r>
+            <a:r>
+              <a:rPr lang="en-US" altLang="ko-KR" dirty="0"/>
+              <a:t>(DI, Dependency Injection)</a:t>
             </a:r>
             <a:endParaRPr lang="ko-KR" altLang="en-US" dirty="0"/>
           </a:p>
@@ -17354,38 +17348,333 @@
           <a:lstStyle/>
           <a:p>
             <a:r>
-              <a:rPr lang="en-US" altLang="ko-KR"/>
-              <a:t>A </a:t>
-            </a:r>
-            <a:r>
-              <a:rPr lang="ko-KR" altLang="en-US"/>
-              <a:t>가 </a:t>
-            </a:r>
-            <a:r>
-              <a:rPr lang="en-US" altLang="ko-KR"/>
-              <a:t>B </a:t>
-            </a:r>
-            <a:r>
-              <a:rPr lang="ko-KR" altLang="en-US"/>
-              <a:t>를 제어한다</a:t>
-            </a:r>
-            <a:r>
-              <a:rPr lang="en-US" altLang="ko-KR"/>
-              <a:t>.</a:t>
-            </a:r>
+              <a:rPr lang="ko-KR" altLang="en-US" dirty="0"/>
+              <a:t>의존성 주입을 위한 정보가 보관되는 곳</a:t>
+            </a:r>
+            <a:endParaRPr lang="en-US" altLang="ko-KR" dirty="0"/>
           </a:p>
           <a:p>
             <a:pPr lvl="1"/>
             <a:r>
+              <a:rPr lang="en-US" altLang="ko-KR" dirty="0"/>
+              <a:t>Java </a:t>
+            </a:r>
+            <a:r>
+              <a:rPr lang="ko-KR" altLang="en-US" dirty="0"/>
+              <a:t>코드 </a:t>
+            </a:r>
+            <a:r>
+              <a:rPr lang="en-US" altLang="ko-KR" dirty="0"/>
+              <a:t>: </a:t>
+            </a:r>
+            <a:r>
+              <a:rPr lang="ko-KR" altLang="en-US" dirty="0" err="1"/>
+              <a:t>어노테이션</a:t>
+            </a:r>
+            <a:endParaRPr lang="en-US" altLang="ko-KR" dirty="0"/>
+          </a:p>
+          <a:p>
+            <a:pPr lvl="1"/>
+            <a:r>
+              <a:rPr lang="ko-KR" altLang="en-US" dirty="0"/>
+              <a:t>외부파일 </a:t>
+            </a:r>
+            <a:r>
+              <a:rPr lang="en-US" altLang="ko-KR" dirty="0"/>
+              <a:t>: xml, properties, </a:t>
+            </a:r>
+            <a:r>
+              <a:rPr lang="en-US" altLang="ko-KR" dirty="0" err="1"/>
+              <a:t>yaml</a:t>
+            </a:r>
+            <a:endParaRPr lang="en-US" altLang="ko-KR" dirty="0"/>
+          </a:p>
+          <a:p>
+            <a:pPr lvl="1"/>
+            <a:r>
+              <a:rPr lang="ko-KR" altLang="en-US" dirty="0"/>
+              <a:t>테이블 </a:t>
+            </a:r>
+            <a:r>
+              <a:rPr lang="en-US" altLang="ko-KR" dirty="0"/>
+              <a:t>: FW_CONTROLLER</a:t>
+            </a:r>
+          </a:p>
+          <a:p>
+            <a:r>
+              <a:rPr lang="en-US" altLang="ko-KR" dirty="0"/>
+              <a:t>http://localhost:18080/waf/callList</a:t>
+            </a:r>
+          </a:p>
+          <a:p>
+            <a:pPr lvl="1"/>
+            <a:r>
+              <a:rPr lang="ko-KR" altLang="en-US" dirty="0">
+                <a:solidFill>
+                  <a:srgbClr val="FF0000"/>
+                </a:solidFill>
+              </a:rPr>
+              <a:t>실시간 공유</a:t>
+            </a:r>
+            <a:r>
+              <a:rPr lang="en-US" altLang="ko-KR" dirty="0"/>
+              <a:t> : </a:t>
+            </a:r>
+            <a:r>
+              <a:rPr lang="ko-KR" altLang="en-US" dirty="0"/>
+              <a:t>빌드 시점이 아닌 구현 시점</a:t>
+            </a:r>
+            <a:endParaRPr lang="en-US" altLang="ko-KR" dirty="0"/>
+          </a:p>
+          <a:p>
+            <a:pPr lvl="1"/>
+            <a:r>
+              <a:rPr lang="ko-KR" altLang="en-US" dirty="0">
+                <a:solidFill>
+                  <a:srgbClr val="FF0000"/>
+                </a:solidFill>
+              </a:rPr>
+              <a:t>운영 중 변경</a:t>
+            </a:r>
+            <a:r>
+              <a:rPr lang="ko-KR" altLang="en-US" dirty="0"/>
+              <a:t> </a:t>
+            </a:r>
+            <a:r>
+              <a:rPr lang="en-US" altLang="ko-KR" dirty="0"/>
+              <a:t>: </a:t>
+            </a:r>
+            <a:r>
+              <a:rPr lang="ko-KR" altLang="en-US" dirty="0"/>
+              <a:t>실행 중 기능과 데이터가 결정</a:t>
+            </a:r>
+            <a:endParaRPr lang="en-US" altLang="ko-KR" dirty="0"/>
+          </a:p>
+          <a:p>
+            <a:pPr lvl="1"/>
+            <a:r>
+              <a:rPr lang="ko-KR" altLang="en-US" dirty="0"/>
+              <a:t>서비스를 결정하는 의존 정보는 테이블에서 가져옴</a:t>
+            </a:r>
+            <a:endParaRPr lang="en-US" altLang="ko-KR" dirty="0"/>
+          </a:p>
+          <a:p>
+            <a:pPr lvl="1"/>
+            <a:r>
+              <a:rPr lang="ko-KR" altLang="en-US" dirty="0"/>
+              <a:t>이관</a:t>
+            </a:r>
+            <a:r>
+              <a:rPr lang="en-US" altLang="ko-KR" dirty="0"/>
+              <a:t>, </a:t>
+            </a:r>
+            <a:r>
+              <a:rPr lang="ko-KR" altLang="en-US" dirty="0"/>
+              <a:t>재가동 없이 리로드를 사용 서비스 변경</a:t>
+            </a:r>
+            <a:endParaRPr lang="en-US" altLang="ko-KR" dirty="0"/>
+          </a:p>
+          <a:p>
+            <a:endParaRPr lang="en-US" altLang="ko-KR" dirty="0"/>
+          </a:p>
+          <a:p>
+            <a:pPr lvl="1"/>
+            <a:endParaRPr lang="en-US" altLang="ko-KR" dirty="0"/>
+          </a:p>
+        </p:txBody>
+      </p:sp>
+      <p:pic>
+        <p:nvPicPr>
+          <p:cNvPr id="4" name="그림 3">
+            <a:extLst>
+              <a:ext uri="{FF2B5EF4-FFF2-40B4-BE49-F238E27FC236}">
+                <a16:creationId xmlns:a16="http://schemas.microsoft.com/office/drawing/2014/main" id="{988D93DA-E6E6-41A6-8395-28AF6C077FCB}"/>
+              </a:ext>
+            </a:extLst>
+          </p:cNvPr>
+          <p:cNvPicPr>
+            <a:picLocks noChangeAspect="1"/>
+          </p:cNvPicPr>
+          <p:nvPr/>
+        </p:nvPicPr>
+        <p:blipFill rotWithShape="1">
+          <a:blip r:embed="rId2"/>
+          <a:srcRect r="47674"/>
+          <a:stretch/>
+        </p:blipFill>
+        <p:spPr>
+          <a:xfrm>
+            <a:off x="7803931" y="1907177"/>
+            <a:ext cx="3194995" cy="1743345"/>
+          </a:xfrm>
+          <a:prstGeom prst="rect">
+            <a:avLst/>
+          </a:prstGeom>
+        </p:spPr>
+      </p:pic>
+      <p:pic>
+        <p:nvPicPr>
+          <p:cNvPr id="10" name="그림 9">
+            <a:extLst>
+              <a:ext uri="{FF2B5EF4-FFF2-40B4-BE49-F238E27FC236}">
+                <a16:creationId xmlns:a16="http://schemas.microsoft.com/office/drawing/2014/main" id="{EC0FA9FC-5E24-43FD-9F81-0F18C8613323}"/>
+              </a:ext>
+            </a:extLst>
+          </p:cNvPr>
+          <p:cNvPicPr>
+            <a:picLocks noChangeAspect="1"/>
+          </p:cNvPicPr>
+          <p:nvPr/>
+        </p:nvPicPr>
+        <p:blipFill>
+          <a:blip r:embed="rId3"/>
+          <a:stretch>
+            <a:fillRect/>
+          </a:stretch>
+        </p:blipFill>
+        <p:spPr>
+          <a:xfrm>
+            <a:off x="7803931" y="3985485"/>
+            <a:ext cx="2196283" cy="1808317"/>
+          </a:xfrm>
+          <a:prstGeom prst="rect">
+            <a:avLst/>
+          </a:prstGeom>
+        </p:spPr>
+      </p:pic>
+    </p:spTree>
+    <p:extLst>
+      <p:ext uri="{BB962C8B-B14F-4D97-AF65-F5344CB8AC3E}">
+        <p14:creationId xmlns:p14="http://schemas.microsoft.com/office/powerpoint/2010/main" val="1709106050"/>
+      </p:ext>
+    </p:extLst>
+  </p:cSld>
+  <p:clrMapOvr>
+    <a:masterClrMapping/>
+  </p:clrMapOvr>
+  <mc:AlternateContent xmlns:mc="http://schemas.openxmlformats.org/markup-compatibility/2006" xmlns:p14="http://schemas.microsoft.com/office/powerpoint/2010/main">
+    <mc:Choice Requires="p14">
+      <p:transition spd="med" p14:dur="700">
+        <p:fade/>
+      </p:transition>
+    </mc:Choice>
+    <mc:Fallback xmlns="">
+      <p:transition spd="med">
+        <p:fade/>
+      </p:transition>
+    </mc:Fallback>
+  </mc:AlternateContent>
+</p:sld>
+</file>
+
+<file path=ppt/slides/slide7.xml><?xml version="1.0" encoding="utf-8"?>
+<p:sld xmlns:a="http://schemas.openxmlformats.org/drawingml/2006/main" xmlns:r="http://schemas.openxmlformats.org/officeDocument/2006/relationships" xmlns:p="http://schemas.openxmlformats.org/presentationml/2006/main">
+  <p:cSld>
+    <p:spTree>
+      <p:nvGrpSpPr>
+        <p:cNvPr id="1" name=""/>
+        <p:cNvGrpSpPr/>
+        <p:nvPr/>
+      </p:nvGrpSpPr>
+      <p:grpSpPr>
+        <a:xfrm>
+          <a:off x="0" y="0"/>
+          <a:ext cx="0" cy="0"/>
+          <a:chOff x="0" y="0"/>
+          <a:chExt cx="0" cy="0"/>
+        </a:xfrm>
+      </p:grpSpPr>
+      <p:sp>
+        <p:nvSpPr>
+          <p:cNvPr id="2" name="제목 1">
+            <a:extLst>
+              <a:ext uri="{FF2B5EF4-FFF2-40B4-BE49-F238E27FC236}">
+                <a16:creationId xmlns:a16="http://schemas.microsoft.com/office/drawing/2014/main" id="{BA5D0597-4C5A-4BCD-822E-643F66B48745}"/>
+              </a:ext>
+            </a:extLst>
+          </p:cNvPr>
+          <p:cNvSpPr>
+            <a:spLocks noGrp="1"/>
+          </p:cNvSpPr>
+          <p:nvPr>
+            <p:ph type="title"/>
+          </p:nvPr>
+        </p:nvSpPr>
+        <p:spPr/>
+        <p:txBody>
+          <a:bodyPr>
+            <a:normAutofit/>
+          </a:bodyPr>
+          <a:lstStyle/>
+          <a:p>
+            <a:r>
+              <a:rPr lang="ko-KR" altLang="en-US"/>
+              <a:t>역전제어 </a:t>
+            </a:r>
+            <a:r>
               <a:rPr lang="en-US" altLang="ko-KR"/>
+              <a:t>(IoC, Inversion of Control)</a:t>
+            </a:r>
+            <a:endParaRPr lang="ko-KR" altLang="en-US" dirty="0"/>
+          </a:p>
+        </p:txBody>
+      </p:sp>
+      <p:sp>
+        <p:nvSpPr>
+          <p:cNvPr id="3" name="내용 개체 틀 2">
+            <a:extLst>
+              <a:ext uri="{FF2B5EF4-FFF2-40B4-BE49-F238E27FC236}">
+                <a16:creationId xmlns:a16="http://schemas.microsoft.com/office/drawing/2014/main" id="{0C9231FF-28EB-4164-A188-3E920050747B}"/>
+              </a:ext>
+            </a:extLst>
+          </p:cNvPr>
+          <p:cNvSpPr>
+            <a:spLocks noGrp="1"/>
+          </p:cNvSpPr>
+          <p:nvPr>
+            <p:ph idx="1"/>
+          </p:nvPr>
+        </p:nvSpPr>
+        <p:spPr/>
+        <p:txBody>
+          <a:bodyPr>
+            <a:normAutofit/>
+          </a:bodyPr>
+          <a:lstStyle/>
+          <a:p>
+            <a:r>
+              <a:rPr lang="en-US" altLang="ko-KR" dirty="0"/>
+              <a:t>A </a:t>
+            </a:r>
+            <a:r>
+              <a:rPr lang="ko-KR" altLang="en-US" dirty="0"/>
+              <a:t>가 </a:t>
+            </a:r>
+            <a:r>
+              <a:rPr lang="en-US" altLang="ko-KR" dirty="0"/>
               <a:t>B </a:t>
             </a:r>
             <a:r>
-              <a:rPr lang="ko-KR" altLang="en-US"/>
+              <a:rPr lang="ko-KR" altLang="en-US" dirty="0"/>
+              <a:t>를 제어한다</a:t>
+            </a:r>
+            <a:r>
+              <a:rPr lang="en-US" altLang="ko-KR" dirty="0"/>
+              <a:t>.</a:t>
+            </a:r>
+          </a:p>
+          <a:p>
+            <a:pPr lvl="1"/>
+            <a:r>
+              <a:rPr lang="en-US" altLang="ko-KR" dirty="0"/>
+              <a:t>B </a:t>
+            </a:r>
+            <a:r>
+              <a:rPr lang="ko-KR" altLang="en-US" dirty="0"/>
               <a:t>를 </a:t>
             </a:r>
             <a:r>
-              <a:rPr lang="ko-KR" altLang="en-US">
+              <a:rPr lang="ko-KR" altLang="en-US" dirty="0">
                 <a:solidFill>
                   <a:srgbClr val="FF0000"/>
                 </a:solidFill>
@@ -17393,23 +17682,23 @@
               <a:t>준비</a:t>
             </a:r>
             <a:r>
-              <a:rPr lang="ko-KR" altLang="en-US"/>
+              <a:rPr lang="ko-KR" altLang="en-US" dirty="0"/>
               <a:t>하고</a:t>
             </a:r>
-            <a:endParaRPr lang="en-US" altLang="ko-KR"/>
+            <a:endParaRPr lang="en-US" altLang="ko-KR" dirty="0"/>
           </a:p>
           <a:p>
             <a:pPr lvl="1"/>
             <a:r>
-              <a:rPr lang="en-US" altLang="ko-KR"/>
+              <a:rPr lang="en-US" altLang="ko-KR" dirty="0"/>
               <a:t>B </a:t>
             </a:r>
             <a:r>
-              <a:rPr lang="ko-KR" altLang="en-US"/>
+              <a:rPr lang="ko-KR" altLang="en-US" dirty="0"/>
               <a:t>를 </a:t>
             </a:r>
             <a:r>
-              <a:rPr lang="ko-KR" altLang="en-US">
+              <a:rPr lang="ko-KR" altLang="en-US" dirty="0">
                 <a:solidFill>
                   <a:srgbClr val="FF0000"/>
                 </a:solidFill>
@@ -17417,23 +17706,23 @@
               <a:t>실행</a:t>
             </a:r>
             <a:r>
-              <a:rPr lang="ko-KR" altLang="en-US"/>
+              <a:rPr lang="ko-KR" altLang="en-US" dirty="0"/>
               <a:t>하고</a:t>
             </a:r>
-            <a:endParaRPr lang="en-US" altLang="ko-KR"/>
+            <a:endParaRPr lang="en-US" altLang="ko-KR" dirty="0"/>
           </a:p>
           <a:p>
             <a:pPr lvl="1"/>
             <a:r>
-              <a:rPr lang="en-US" altLang="ko-KR"/>
+              <a:rPr lang="en-US" altLang="ko-KR" dirty="0"/>
               <a:t>B </a:t>
             </a:r>
             <a:r>
-              <a:rPr lang="ko-KR" altLang="en-US"/>
+              <a:rPr lang="ko-KR" altLang="en-US" dirty="0"/>
               <a:t>를 </a:t>
             </a:r>
             <a:r>
-              <a:rPr lang="ko-KR" altLang="en-US">
+              <a:rPr lang="ko-KR" altLang="en-US" dirty="0">
                 <a:solidFill>
                   <a:srgbClr val="FF0000"/>
                 </a:solidFill>
@@ -17441,14 +17730,13 @@
               <a:t>마무리</a:t>
             </a:r>
             <a:r>
-              <a:rPr lang="ko-KR" altLang="en-US"/>
+              <a:rPr lang="ko-KR" altLang="en-US" dirty="0"/>
               <a:t>한다</a:t>
             </a:r>
             <a:r>
-              <a:rPr lang="en-US" altLang="ko-KR"/>
+              <a:rPr lang="en-US" altLang="ko-KR" dirty="0"/>
               <a:t>.</a:t>
             </a:r>
-            <a:endParaRPr lang="en-US" altLang="ko-KR" dirty="0"/>
           </a:p>
           <a:p>
             <a:r>
@@ -17463,7 +17751,7 @@
           <a:p>
             <a:pPr lvl="1"/>
             <a:r>
-              <a:rPr lang="ko-KR" altLang="en-US">
+              <a:rPr lang="ko-KR" altLang="en-US" dirty="0">
                 <a:solidFill>
                   <a:srgbClr val="FF0000"/>
                 </a:solidFill>
@@ -17471,7 +17759,7 @@
               <a:t>컴파일 없이 제어한다</a:t>
             </a:r>
             <a:r>
-              <a:rPr lang="en-US" altLang="ko-KR">
+              <a:rPr lang="en-US" altLang="ko-KR" dirty="0">
                 <a:solidFill>
                   <a:srgbClr val="FF0000"/>
                 </a:solidFill>
@@ -17482,30 +17770,47 @@
           <a:p>
             <a:pPr lvl="2"/>
             <a:r>
-              <a:rPr lang="ko-KR" altLang="en-US"/>
+              <a:rPr lang="ko-KR" altLang="en-US" dirty="0"/>
               <a:t>개발자의 코드가 아닌 컨테이너가 제어한다</a:t>
             </a:r>
             <a:r>
-              <a:rPr lang="en-US" altLang="ko-KR"/>
+              <a:rPr lang="en-US" altLang="ko-KR" dirty="0"/>
               <a:t>.</a:t>
             </a:r>
-            <a:endParaRPr lang="en-US" altLang="ko-KR" dirty="0"/>
+          </a:p>
+          <a:p>
+            <a:pPr lvl="2"/>
+            <a:r>
+              <a:rPr lang="en-US" altLang="ko-KR" dirty="0"/>
+              <a:t>DI </a:t>
+            </a:r>
+            <a:r>
+              <a:rPr lang="ko-KR" altLang="en-US" dirty="0"/>
+              <a:t>의 결과는 </a:t>
+            </a:r>
+            <a:r>
+              <a:rPr lang="en-US" altLang="ko-KR" dirty="0"/>
+              <a:t>IoC</a:t>
+            </a:r>
           </a:p>
           <a:p>
             <a:pPr lvl="1"/>
             <a:r>
               <a:rPr lang="en-US" altLang="ko-KR" dirty="0" err="1"/>
-              <a:t>MasterController.</a:t>
-            </a:r>
-            <a:r>
-              <a:rPr lang="en-US" altLang="ko-KR" err="1"/>
-              <a:t>execute</a:t>
-            </a:r>
-            <a:r>
-              <a:rPr lang="en-US" altLang="ko-KR"/>
-              <a:t>("callList")</a:t>
-            </a:r>
-            <a:endParaRPr lang="en-US" altLang="ko-KR" dirty="0"/>
+              <a:t>MasterController.execute</a:t>
+            </a:r>
+            <a:r>
+              <a:rPr lang="en-US" altLang="ko-KR" dirty="0"/>
+              <a:t>("</a:t>
+            </a:r>
+            <a:r>
+              <a:rPr lang="en-US" altLang="ko-KR" dirty="0" err="1"/>
+              <a:t>callList</a:t>
+            </a:r>
+            <a:r>
+              <a:rPr lang="en-US" altLang="ko-KR" dirty="0"/>
+              <a:t>")</a:t>
+            </a:r>
           </a:p>
         </p:txBody>
       </p:sp>
@@ -17592,7 +17897,7 @@
 </p:sld>
 </file>
 
-<file path=ppt/slides/slide7.xml><?xml version="1.0" encoding="utf-8"?>
+<file path=ppt/slides/slide8.xml><?xml version="1.0" encoding="utf-8"?>
 <p:sld xmlns:a="http://schemas.openxmlformats.org/drawingml/2006/main" xmlns:r="http://schemas.openxmlformats.org/officeDocument/2006/relationships" xmlns:p="http://schemas.openxmlformats.org/presentationml/2006/main">
   <p:cSld>
     <p:spTree>
@@ -17898,7 +18203,7 @@
 </p:sld>
 </file>
 
-<file path=ppt/slides/slide8.xml><?xml version="1.0" encoding="utf-8"?>
+<file path=ppt/slides/slide9.xml><?xml version="1.0" encoding="utf-8"?>
 <p:sld xmlns:a="http://schemas.openxmlformats.org/drawingml/2006/main" xmlns:r="http://schemas.openxmlformats.org/officeDocument/2006/relationships" xmlns:p="http://schemas.openxmlformats.org/presentationml/2006/main">
   <p:cSld>
     <p:spTree>
@@ -17982,23 +18287,23 @@
           <a:p>
             <a:pPr lvl="1"/>
             <a:r>
-              <a:rPr lang="ko-KR" altLang="en-US"/>
+              <a:rPr lang="ko-KR" altLang="en-US" dirty="0"/>
               <a:t>요구사항 </a:t>
             </a:r>
             <a:r>
-              <a:rPr lang="en-US" altLang="ko-KR"/>
+              <a:rPr lang="en-US" altLang="ko-KR" dirty="0"/>
               <a:t>= </a:t>
             </a:r>
             <a:r>
-              <a:rPr lang="ko-KR" altLang="en-US"/>
+              <a:rPr lang="ko-KR" altLang="en-US" dirty="0"/>
               <a:t>공통기능 </a:t>
             </a:r>
             <a:r>
-              <a:rPr lang="en-US" altLang="ko-KR"/>
+              <a:rPr lang="en-US" altLang="ko-KR" dirty="0"/>
               <a:t>+ </a:t>
             </a:r>
             <a:r>
-              <a:rPr lang="ko-KR" altLang="en-US"/>
+              <a:rPr lang="ko-KR" altLang="en-US" dirty="0" err="1"/>
               <a:t>새로운기능</a:t>
             </a:r>
             <a:endParaRPr lang="en-US" altLang="ko-KR" dirty="0"/>
@@ -18014,7 +18319,15 @@
             <a:pPr lvl="1"/>
             <a:r>
               <a:rPr lang="ko-KR" altLang="en-US" dirty="0"/>
-              <a:t>역전제어</a:t>
+              <a:t>의존성 주입 </a:t>
+            </a:r>
+            <a:r>
+              <a:rPr lang="en-US" altLang="ko-KR" dirty="0"/>
+              <a:t>(DI) </a:t>
+            </a:r>
+            <a:r>
+              <a:rPr lang="ko-KR" altLang="en-US" dirty="0"/>
+              <a:t>후 역전제어</a:t>
             </a:r>
             <a:r>
               <a:rPr lang="en-US" altLang="ko-KR" dirty="0"/>
@@ -18026,52 +18339,56 @@
             </a:r>
             <a:r>
               <a:rPr lang="en-US" altLang="ko-KR" dirty="0"/>
-              <a:t>)</a:t>
-            </a:r>
-          </a:p>
-          <a:p>
-            <a:pPr lvl="1"/>
-            <a:r>
-              <a:rPr lang="ko-KR" altLang="en-US"/>
-              <a:t>컨테이너가 알아서 공통기능의 </a:t>
+              <a:t>) </a:t>
             </a:r>
             <a:r>
               <a:rPr lang="ko-KR" altLang="en-US" dirty="0"/>
-              <a:t>생성</a:t>
-            </a:r>
-            <a:r>
-              <a:rPr lang="en-US" altLang="ko-KR" dirty="0"/>
-              <a:t>, </a:t>
-            </a:r>
-            <a:r>
-              <a:rPr lang="ko-KR" altLang="en-US" dirty="0"/>
-              <a:t>사용</a:t>
-            </a:r>
-            <a:r>
-              <a:rPr lang="en-US" altLang="ko-KR" dirty="0"/>
-              <a:t>, </a:t>
-            </a:r>
-            <a:r>
-              <a:rPr lang="ko-KR" altLang="en-US" dirty="0"/>
-              <a:t>마무리</a:t>
+              <a:t>실행 결과</a:t>
             </a:r>
             <a:endParaRPr lang="en-US" altLang="ko-KR" dirty="0"/>
           </a:p>
           <a:p>
             <a:pPr lvl="1"/>
             <a:r>
+              <a:rPr lang="ko-KR" altLang="en-US" dirty="0"/>
+              <a:t>컨테이너가 알아서 공통기능의 생성</a:t>
+            </a:r>
+            <a:r>
+              <a:rPr lang="en-US" altLang="ko-KR" dirty="0"/>
+              <a:t>, </a:t>
+            </a:r>
+            <a:r>
+              <a:rPr lang="ko-KR" altLang="en-US" dirty="0"/>
+              <a:t>사용</a:t>
+            </a:r>
+            <a:r>
+              <a:rPr lang="en-US" altLang="ko-KR" dirty="0"/>
+              <a:t>, </a:t>
+            </a:r>
+            <a:r>
+              <a:rPr lang="ko-KR" altLang="en-US" dirty="0"/>
+              <a:t>마무리</a:t>
+            </a:r>
+            <a:endParaRPr lang="en-US" altLang="ko-KR" dirty="0"/>
+          </a:p>
+          <a:p>
+            <a:pPr lvl="1"/>
+            <a:r>
               <a:rPr lang="en-US" altLang="ko-KR" dirty="0" err="1"/>
-              <a:t>MasterController.</a:t>
-            </a:r>
-            <a:r>
-              <a:rPr lang="en-US" altLang="ko-KR" err="1"/>
-              <a:t>execute</a:t>
-            </a:r>
-            <a:r>
-              <a:rPr lang="en-US" altLang="ko-KR"/>
-              <a:t>("callList")</a:t>
-            </a:r>
-            <a:endParaRPr lang="en-US" altLang="ko-KR" dirty="0"/>
+              <a:t>MasterController.execute</a:t>
+            </a:r>
+            <a:r>
+              <a:rPr lang="en-US" altLang="ko-KR" dirty="0"/>
+              <a:t>("</a:t>
+            </a:r>
+            <a:r>
+              <a:rPr lang="en-US" altLang="ko-KR" dirty="0" err="1"/>
+              <a:t>callList</a:t>
+            </a:r>
+            <a:r>
+              <a:rPr lang="en-US" altLang="ko-KR" dirty="0"/>
+              <a:t>")</a:t>
+            </a:r>
           </a:p>
           <a:p>
             <a:pPr lvl="1"/>
